--- a/AY Shared Documents/2021-21-17 Chirps Koordinatensystem.pptx
+++ b/AY Shared Documents/2021-21-17 Chirps Koordinatensystem.pptx
@@ -130,6 +130,7 @@
     <p1510:client id="{015D5644-4882-6B68-DA47-3D4AFF70491E}" v="7" dt="2021-12-17T10:58:02.211"/>
     <p1510:client id="{15757D0A-0C07-45BA-9474-A9CFED61AEA5}" v="4" dt="2021-12-17T18:30:43.165"/>
     <p1510:client id="{1F153717-49B9-4B09-BF4D-191ED5E7D30C}" v="3" dt="2021-12-17T18:28:01.985"/>
+    <p1510:client id="{23A025A5-5FFC-7788-8AFA-7F686D2A2833}" v="1" dt="2022-01-07T12:22:37.143"/>
     <p1510:client id="{311B900B-2B0F-4FFD-57E5-DF7E68AA9E21}" v="4" dt="2021-12-17T18:31:24.153"/>
     <p1510:client id="{437D1A4B-99FD-0FC8-36BD-3A2795D4667A}" v="8" dt="2021-12-17T18:30:30.035"/>
     <p1510:client id="{44B58551-E5E6-C901-F3D2-3AF12F3673B3}" v="11" dt="2021-12-17T19:05:36.404"/>
@@ -289,6 +290,30 @@
             <pc:docMk/>
             <pc:sldMk cId="319497228" sldId="257"/>
             <ac:cxnSpMk id="2" creationId="{64F46007-E61D-4707-AABA-B979A062E0B3}"/>
+          </ac:cxnSpMkLst>
+        </pc:cxnChg>
+      </pc:sldChg>
+    </pc:docChg>
+  </pc:docChgLst>
+  <pc:docChgLst>
+    <pc:chgData name="Gastbenutzer" userId="S::urn:spo:anon#6e37b8f121ab397d8b4697d15ed9ca16ffa9212f7916cafa57ba4cedf1178971::" providerId="AD" clId="Web-{23A025A5-5FFC-7788-8AFA-7F686D2A2833}"/>
+    <pc:docChg chg="modSld">
+      <pc:chgData name="Gastbenutzer" userId="S::urn:spo:anon#6e37b8f121ab397d8b4697d15ed9ca16ffa9212f7916cafa57ba4cedf1178971::" providerId="AD" clId="Web-{23A025A5-5FFC-7788-8AFA-7F686D2A2833}" dt="2022-01-07T12:22:37.143" v="0"/>
+      <pc:docMkLst>
+        <pc:docMk/>
+      </pc:docMkLst>
+      <pc:sldChg chg="delSp">
+        <pc:chgData name="Gastbenutzer" userId="S::urn:spo:anon#6e37b8f121ab397d8b4697d15ed9ca16ffa9212f7916cafa57ba4cedf1178971::" providerId="AD" clId="Web-{23A025A5-5FFC-7788-8AFA-7F686D2A2833}" dt="2022-01-07T12:22:37.143" v="0"/>
+        <pc:sldMkLst>
+          <pc:docMk/>
+          <pc:sldMk cId="4204242654" sldId="256"/>
+        </pc:sldMkLst>
+        <pc:cxnChg chg="del">
+          <ac:chgData name="Gastbenutzer" userId="S::urn:spo:anon#6e37b8f121ab397d8b4697d15ed9ca16ffa9212f7916cafa57ba4cedf1178971::" providerId="AD" clId="Web-{23A025A5-5FFC-7788-8AFA-7F686D2A2833}" dt="2022-01-07T12:22:37.143" v="0"/>
+          <ac:cxnSpMkLst>
+            <pc:docMk/>
+            <pc:sldMk cId="4204242654" sldId="256"/>
+            <ac:cxnSpMk id="4" creationId="{E902ECAA-71DB-470F-889E-F3D149CD5D15}"/>
           </ac:cxnSpMkLst>
         </pc:cxnChg>
       </pc:sldChg>
@@ -725,7 +750,7 @@
           <a:p>
             <a:fld id="{0D2D72C5-37A9-4ED9-9F78-AE5A4BB1939F}" type="datetimeFigureOut">
               <a:rPr lang="en-GB" smtClean="0"/>
-              <a:t>17/12/2021</a:t>
+              <a:t>07/01/2022</a:t>
             </a:fld>
             <a:endParaRPr lang="en-GB"/>
           </a:p>
@@ -779,7 +804,7 @@
           <a:p>
             <a:fld id="{03BFA0D8-05D6-46BC-8AB3-C7DC889A8CC4}" type="slidenum">
               <a:rPr lang="en-GB" smtClean="0"/>
-              <a:t>‹#›</a:t>
+              <a:t>‹Nr.›</a:t>
             </a:fld>
             <a:endParaRPr lang="en-GB"/>
           </a:p>
@@ -925,7 +950,7 @@
           <a:p>
             <a:fld id="{0D2D72C5-37A9-4ED9-9F78-AE5A4BB1939F}" type="datetimeFigureOut">
               <a:rPr lang="en-GB" smtClean="0"/>
-              <a:t>17/12/2021</a:t>
+              <a:t>07/01/2022</a:t>
             </a:fld>
             <a:endParaRPr lang="en-GB"/>
           </a:p>
@@ -979,7 +1004,7 @@
           <a:p>
             <a:fld id="{03BFA0D8-05D6-46BC-8AB3-C7DC889A8CC4}" type="slidenum">
               <a:rPr lang="en-GB" smtClean="0"/>
-              <a:t>‹#›</a:t>
+              <a:t>‹Nr.›</a:t>
             </a:fld>
             <a:endParaRPr lang="en-GB"/>
           </a:p>
@@ -1135,7 +1160,7 @@
           <a:p>
             <a:fld id="{0D2D72C5-37A9-4ED9-9F78-AE5A4BB1939F}" type="datetimeFigureOut">
               <a:rPr lang="en-GB" smtClean="0"/>
-              <a:t>17/12/2021</a:t>
+              <a:t>07/01/2022</a:t>
             </a:fld>
             <a:endParaRPr lang="en-GB"/>
           </a:p>
@@ -1189,7 +1214,7 @@
           <a:p>
             <a:fld id="{03BFA0D8-05D6-46BC-8AB3-C7DC889A8CC4}" type="slidenum">
               <a:rPr lang="en-GB" smtClean="0"/>
-              <a:t>‹#›</a:t>
+              <a:t>‹Nr.›</a:t>
             </a:fld>
             <a:endParaRPr lang="en-GB"/>
           </a:p>
@@ -1335,7 +1360,7 @@
           <a:p>
             <a:fld id="{0D2D72C5-37A9-4ED9-9F78-AE5A4BB1939F}" type="datetimeFigureOut">
               <a:rPr lang="en-GB" smtClean="0"/>
-              <a:t>17/12/2021</a:t>
+              <a:t>07/01/2022</a:t>
             </a:fld>
             <a:endParaRPr lang="en-GB"/>
           </a:p>
@@ -1389,7 +1414,7 @@
           <a:p>
             <a:fld id="{03BFA0D8-05D6-46BC-8AB3-C7DC889A8CC4}" type="slidenum">
               <a:rPr lang="en-GB" smtClean="0"/>
-              <a:t>‹#›</a:t>
+              <a:t>‹Nr.›</a:t>
             </a:fld>
             <a:endParaRPr lang="en-GB"/>
           </a:p>
@@ -1611,7 +1636,7 @@
           <a:p>
             <a:fld id="{0D2D72C5-37A9-4ED9-9F78-AE5A4BB1939F}" type="datetimeFigureOut">
               <a:rPr lang="en-GB" smtClean="0"/>
-              <a:t>17/12/2021</a:t>
+              <a:t>07/01/2022</a:t>
             </a:fld>
             <a:endParaRPr lang="en-GB"/>
           </a:p>
@@ -1665,7 +1690,7 @@
           <a:p>
             <a:fld id="{03BFA0D8-05D6-46BC-8AB3-C7DC889A8CC4}" type="slidenum">
               <a:rPr lang="en-GB" smtClean="0"/>
-              <a:t>‹#›</a:t>
+              <a:t>‹Nr.›</a:t>
             </a:fld>
             <a:endParaRPr lang="en-GB"/>
           </a:p>
@@ -1879,7 +1904,7 @@
           <a:p>
             <a:fld id="{0D2D72C5-37A9-4ED9-9F78-AE5A4BB1939F}" type="datetimeFigureOut">
               <a:rPr lang="en-GB" smtClean="0"/>
-              <a:t>17/12/2021</a:t>
+              <a:t>07/01/2022</a:t>
             </a:fld>
             <a:endParaRPr lang="en-GB"/>
           </a:p>
@@ -1933,7 +1958,7 @@
           <a:p>
             <a:fld id="{03BFA0D8-05D6-46BC-8AB3-C7DC889A8CC4}" type="slidenum">
               <a:rPr lang="en-GB" smtClean="0"/>
-              <a:t>‹#›</a:t>
+              <a:t>‹Nr.›</a:t>
             </a:fld>
             <a:endParaRPr lang="en-GB"/>
           </a:p>
@@ -2294,7 +2319,7 @@
           <a:p>
             <a:fld id="{0D2D72C5-37A9-4ED9-9F78-AE5A4BB1939F}" type="datetimeFigureOut">
               <a:rPr lang="en-GB" smtClean="0"/>
-              <a:t>17/12/2021</a:t>
+              <a:t>07/01/2022</a:t>
             </a:fld>
             <a:endParaRPr lang="en-GB"/>
           </a:p>
@@ -2348,7 +2373,7 @@
           <a:p>
             <a:fld id="{03BFA0D8-05D6-46BC-8AB3-C7DC889A8CC4}" type="slidenum">
               <a:rPr lang="en-GB" smtClean="0"/>
-              <a:t>‹#›</a:t>
+              <a:t>‹Nr.›</a:t>
             </a:fld>
             <a:endParaRPr lang="en-GB"/>
           </a:p>
@@ -2436,7 +2461,7 @@
           <a:p>
             <a:fld id="{0D2D72C5-37A9-4ED9-9F78-AE5A4BB1939F}" type="datetimeFigureOut">
               <a:rPr lang="en-GB" smtClean="0"/>
-              <a:t>17/12/2021</a:t>
+              <a:t>07/01/2022</a:t>
             </a:fld>
             <a:endParaRPr lang="en-GB"/>
           </a:p>
@@ -2490,7 +2515,7 @@
           <a:p>
             <a:fld id="{03BFA0D8-05D6-46BC-8AB3-C7DC889A8CC4}" type="slidenum">
               <a:rPr lang="en-GB" smtClean="0"/>
-              <a:t>‹#›</a:t>
+              <a:t>‹Nr.›</a:t>
             </a:fld>
             <a:endParaRPr lang="en-GB"/>
           </a:p>
@@ -2549,7 +2574,7 @@
           <a:p>
             <a:fld id="{0D2D72C5-37A9-4ED9-9F78-AE5A4BB1939F}" type="datetimeFigureOut">
               <a:rPr lang="en-GB" smtClean="0"/>
-              <a:t>17/12/2021</a:t>
+              <a:t>07/01/2022</a:t>
             </a:fld>
             <a:endParaRPr lang="en-GB"/>
           </a:p>
@@ -2603,7 +2628,7 @@
           <a:p>
             <a:fld id="{03BFA0D8-05D6-46BC-8AB3-C7DC889A8CC4}" type="slidenum">
               <a:rPr lang="en-GB" smtClean="0"/>
-              <a:t>‹#›</a:t>
+              <a:t>‹Nr.›</a:t>
             </a:fld>
             <a:endParaRPr lang="en-GB"/>
           </a:p>
@@ -2862,7 +2887,7 @@
           <a:p>
             <a:fld id="{0D2D72C5-37A9-4ED9-9F78-AE5A4BB1939F}" type="datetimeFigureOut">
               <a:rPr lang="en-GB" smtClean="0"/>
-              <a:t>17/12/2021</a:t>
+              <a:t>07/01/2022</a:t>
             </a:fld>
             <a:endParaRPr lang="en-GB"/>
           </a:p>
@@ -2916,7 +2941,7 @@
           <a:p>
             <a:fld id="{03BFA0D8-05D6-46BC-8AB3-C7DC889A8CC4}" type="slidenum">
               <a:rPr lang="en-GB" smtClean="0"/>
-              <a:t>‹#›</a:t>
+              <a:t>‹Nr.›</a:t>
             </a:fld>
             <a:endParaRPr lang="en-GB"/>
           </a:p>
@@ -3151,7 +3176,7 @@
           <a:p>
             <a:fld id="{0D2D72C5-37A9-4ED9-9F78-AE5A4BB1939F}" type="datetimeFigureOut">
               <a:rPr lang="en-GB" smtClean="0"/>
-              <a:t>17/12/2021</a:t>
+              <a:t>07/01/2022</a:t>
             </a:fld>
             <a:endParaRPr lang="en-GB"/>
           </a:p>
@@ -3205,7 +3230,7 @@
           <a:p>
             <a:fld id="{03BFA0D8-05D6-46BC-8AB3-C7DC889A8CC4}" type="slidenum">
               <a:rPr lang="en-GB" smtClean="0"/>
-              <a:t>‹#›</a:t>
+              <a:t>‹Nr.›</a:t>
             </a:fld>
             <a:endParaRPr lang="en-GB"/>
           </a:p>
@@ -3394,7 +3419,7 @@
           <a:p>
             <a:fld id="{0D2D72C5-37A9-4ED9-9F78-AE5A4BB1939F}" type="datetimeFigureOut">
               <a:rPr lang="en-GB" smtClean="0"/>
-              <a:t>17/12/2021</a:t>
+              <a:t>07/01/2022</a:t>
             </a:fld>
             <a:endParaRPr lang="en-GB"/>
           </a:p>
@@ -3484,7 +3509,7 @@
           <a:p>
             <a:fld id="{03BFA0D8-05D6-46BC-8AB3-C7DC889A8CC4}" type="slidenum">
               <a:rPr lang="en-GB" smtClean="0"/>
-              <a:t>‹#›</a:t>
+              <a:t>‹Nr.›</a:t>
             </a:fld>
             <a:endParaRPr lang="en-GB"/>
           </a:p>
@@ -4001,42 +4026,6 @@
           </a:p>
         </p:txBody>
       </p:sp>
-      <p:cxnSp>
-        <p:nvCxnSpPr>
-          <p:cNvPr id="4" name="Straight Arrow Connector 3">
-            <a:extLst>
-              <a:ext uri="{FF2B5EF4-FFF2-40B4-BE49-F238E27FC236}">
-                <a16:creationId xmlns:a16="http://schemas.microsoft.com/office/drawing/2014/main" id="{E902ECAA-71DB-470F-889E-F3D149CD5D15}"/>
-              </a:ext>
-            </a:extLst>
-          </p:cNvPr>
-          <p:cNvCxnSpPr/>
-          <p:nvPr/>
-        </p:nvCxnSpPr>
-        <p:spPr>
-          <a:xfrm flipH="1">
-            <a:off x="2919289" y="418367"/>
-            <a:ext cx="2413001" cy="4933459"/>
-          </a:xfrm>
-          <a:prstGeom prst="straightConnector1">
-            <a:avLst/>
-          </a:prstGeom>
-        </p:spPr>
-        <p:style>
-          <a:lnRef idx="3">
-            <a:schemeClr val="accent6"/>
-          </a:lnRef>
-          <a:fillRef idx="0">
-            <a:schemeClr val="accent6"/>
-          </a:fillRef>
-          <a:effectRef idx="2">
-            <a:schemeClr val="accent6"/>
-          </a:effectRef>
-          <a:fontRef idx="minor">
-            <a:schemeClr val="tx1"/>
-          </a:fontRef>
-        </p:style>
-      </p:cxnSp>
     </p:spTree>
     <p:extLst>
       <p:ext uri="{BB962C8B-B14F-4D97-AF65-F5344CB8AC3E}">
